--- a/PPT./pre.v2.pptx
+++ b/PPT./pre.v2.pptx
@@ -3159,13 +3159,13 @@
                   <a:srgbClr val="FFFF00"/>
                 </a:highlight>
               </a:rPr>
-              <a:t>antigen.epitope: The sequence of antigenic epitope </a:t>
-            </a:r>
-            <a:endParaRPr lang="en-US" altLang="zh-CN" sz="1200">
-              <a:highlight>
-                <a:srgbClr val="FFFF00"/>
-              </a:highlight>
-            </a:endParaRPr>
+              <a:t>antigen.epitope</a:t>
+            </a:r>
+            <a:r>
+              <a:rPr lang="en-US" altLang="zh-CN" sz="1200"/>
+              <a:t>: The sequence of antigenic epitope </a:t>
+            </a:r>
+            <a:endParaRPr lang="en-US" altLang="zh-CN" sz="1200"/>
           </a:p>
         </p:txBody>
       </p:sp>
@@ -3247,17 +3247,11 @@
             </a:r>
             <a:r>
               <a:rPr lang="en-US" altLang="zh-CN" sz="1200">
-                <a:highlight>
-                  <a:srgbClr val="FFFF00"/>
-                </a:highlight>
                 <a:sym typeface="+mn-ea"/>
               </a:rPr>
               <a:t>: Effectiveness of the TCR against antigen</a:t>
             </a:r>
             <a:endParaRPr lang="en-US" altLang="zh-CN" sz="1200">
-              <a:highlight>
-                <a:srgbClr val="FFFF00"/>
-              </a:highlight>
               <a:sym typeface="+mn-ea"/>
             </a:endParaRPr>
           </a:p>
@@ -3322,13 +3316,13 @@
                   <a:srgbClr val="FFFF00"/>
                 </a:highlight>
               </a:rPr>
-              <a:t>species: TCR parent species</a:t>
-            </a:r>
-            <a:endParaRPr lang="en-US" altLang="zh-CN" sz="1200">
-              <a:highlight>
-                <a:srgbClr val="FFFF00"/>
-              </a:highlight>
-            </a:endParaRPr>
+              <a:t>species</a:t>
+            </a:r>
+            <a:r>
+              <a:rPr lang="en-US" altLang="zh-CN" sz="1200"/>
+              <a:t>: TCR parent species</a:t>
+            </a:r>
+            <a:endParaRPr lang="en-US" altLang="zh-CN" sz="1200"/>
           </a:p>
         </p:txBody>
       </p:sp>

--- a/PPT./pre.v2.pptx
+++ b/PPT./pre.v2.pptx
@@ -3379,30 +3379,6 @@
           </a:p>
         </p:txBody>
       </p:sp>
-      <p:pic>
-        <p:nvPicPr>
-          <p:cNvPr id="6" name="图片 5"/>
-          <p:cNvPicPr>
-            <a:picLocks noChangeAspect="1"/>
-          </p:cNvPicPr>
-          <p:nvPr/>
-        </p:nvPicPr>
-        <p:blipFill>
-          <a:blip r:embed="rId7"/>
-          <a:stretch>
-            <a:fillRect/>
-          </a:stretch>
-        </p:blipFill>
-        <p:spPr>
-          <a:xfrm>
-            <a:off x="5217795" y="3429000"/>
-            <a:ext cx="5335270" cy="508635"/>
-          </a:xfrm>
-          <a:prstGeom prst="rect">
-            <a:avLst/>
-          </a:prstGeom>
-        </p:spPr>
-      </p:pic>
       <p:sp>
         <p:nvSpPr>
           <p:cNvPr id="9" name="文本框 8"/>
@@ -3777,6 +3753,30 @@
           </a:p>
         </p:txBody>
       </p:sp>
+      <p:pic>
+        <p:nvPicPr>
+          <p:cNvPr id="4" name="图片 3"/>
+          <p:cNvPicPr>
+            <a:picLocks noChangeAspect="1"/>
+          </p:cNvPicPr>
+          <p:nvPr/>
+        </p:nvPicPr>
+        <p:blipFill>
+          <a:blip r:embed="rId7"/>
+          <a:stretch>
+            <a:fillRect/>
+          </a:stretch>
+        </p:blipFill>
+        <p:spPr>
+          <a:xfrm>
+            <a:off x="4993005" y="3325495"/>
+            <a:ext cx="5681345" cy="378460"/>
+          </a:xfrm>
+          <a:prstGeom prst="rect">
+            <a:avLst/>
+          </a:prstGeom>
+        </p:spPr>
+      </p:pic>
     </p:spTree>
     <p:custDataLst>
       <p:tags r:id="rId8"/>

--- a/PPT./pre.v2.pptx
+++ b/PPT./pre.v2.pptx
@@ -3094,7 +3094,7 @@
         </p:nvSpPr>
         <p:spPr>
           <a:xfrm>
-            <a:off x="648970" y="1712595"/>
+            <a:off x="648970" y="1280795"/>
             <a:ext cx="10894060" cy="275590"/>
           </a:xfrm>
           <a:prstGeom prst="rect">
@@ -3181,7 +3181,7 @@
         </p:nvSpPr>
         <p:spPr>
           <a:xfrm>
-            <a:off x="648970" y="1374775"/>
+            <a:off x="648970" y="1650365"/>
             <a:ext cx="10894060" cy="275590"/>
           </a:xfrm>
           <a:prstGeom prst="rect">
@@ -3297,7 +3297,7 @@
         </p:nvSpPr>
         <p:spPr>
           <a:xfrm>
-            <a:off x="648970" y="2050415"/>
+            <a:off x="648970" y="2032000"/>
             <a:ext cx="10894060" cy="275590"/>
           </a:xfrm>
           <a:prstGeom prst="rect">

--- a/PPT./pre.v2.pptx
+++ b/PPT./pre.v2.pptx
@@ -3135,7 +3135,7 @@
         </p:nvSpPr>
         <p:spPr>
           <a:xfrm>
-            <a:off x="648970" y="2388235"/>
+            <a:off x="648970" y="1981200"/>
             <a:ext cx="10894060" cy="275590"/>
           </a:xfrm>
           <a:prstGeom prst="rect">
@@ -3218,7 +3218,7 @@
         </p:nvSpPr>
         <p:spPr>
           <a:xfrm>
-            <a:off x="648970" y="2744470"/>
+            <a:off x="648970" y="2378710"/>
             <a:ext cx="10894060" cy="368300"/>
           </a:xfrm>
           <a:prstGeom prst="rect">
@@ -3257,47 +3257,19 @@
           </a:p>
         </p:txBody>
       </p:sp>
-      <p:pic>
-        <p:nvPicPr>
-          <p:cNvPr id="2" name="图片 1"/>
-          <p:cNvPicPr>
-            <a:picLocks noChangeAspect="1"/>
-          </p:cNvPicPr>
+      <p:sp>
+        <p:nvSpPr>
+          <p:cNvPr id="3" name="文本框 2"/>
+          <p:cNvSpPr txBox="1"/>
           <p:nvPr>
             <p:custDataLst>
               <p:tags r:id="rId3"/>
             </p:custDataLst>
           </p:nvPr>
-        </p:nvPicPr>
-        <p:blipFill>
-          <a:blip r:embed="rId4"/>
-          <a:stretch>
-            <a:fillRect/>
-          </a:stretch>
-        </p:blipFill>
+        </p:nvSpPr>
         <p:spPr>
           <a:xfrm>
-            <a:off x="3557905" y="114300"/>
-            <a:ext cx="4133850" cy="1073150"/>
-          </a:xfrm>
-          <a:prstGeom prst="rect">
-            <a:avLst/>
-          </a:prstGeom>
-        </p:spPr>
-      </p:pic>
-      <p:sp>
-        <p:nvSpPr>
-          <p:cNvPr id="3" name="文本框 2"/>
-          <p:cNvSpPr txBox="1"/>
-          <p:nvPr>
-            <p:custDataLst>
-              <p:tags r:id="rId5"/>
-            </p:custDataLst>
-          </p:nvPr>
-        </p:nvSpPr>
-        <p:spPr>
-          <a:xfrm>
-            <a:off x="648970" y="2032000"/>
+            <a:off x="648970" y="2759710"/>
             <a:ext cx="10894060" cy="275590"/>
           </a:xfrm>
           <a:prstGeom prst="rect">
@@ -3316,7 +3288,7 @@
                   <a:srgbClr val="FFFF00"/>
                 </a:highlight>
               </a:rPr>
-              <a:t>species</a:t>
+              <a:t>species*</a:t>
             </a:r>
             <a:r>
               <a:rPr lang="en-US" altLang="zh-CN" sz="1200"/>
@@ -3335,7 +3307,7 @@
           <p:nvPr/>
         </p:nvPicPr>
         <p:blipFill>
-          <a:blip r:embed="rId6"/>
+          <a:blip r:embed="rId4"/>
           <a:stretch>
             <a:fillRect/>
           </a:stretch>
@@ -3443,7 +3415,7 @@
         </p:nvSpPr>
         <p:spPr>
           <a:xfrm>
-            <a:off x="4104005" y="5716270"/>
+            <a:off x="8156575" y="4410075"/>
             <a:ext cx="3983990" cy="871855"/>
           </a:xfrm>
           <a:prstGeom prst="rect">
@@ -3488,35 +3460,6 @@
               <a:t>               ‘ ’ :   [0, 0, 0, 0, 0, 0, 0, 0, 0, 0, 0, 0, 0, 0, 0, 0, 0, 0, 0, 0] }</a:t>
             </a:r>
             <a:endParaRPr lang="en-US" sz="1000"/>
-          </a:p>
-        </p:txBody>
-      </p:sp>
-      <p:sp>
-        <p:nvSpPr>
-          <p:cNvPr id="11" name="文本框 10"/>
-          <p:cNvSpPr txBox="1"/>
-          <p:nvPr/>
-        </p:nvSpPr>
-        <p:spPr>
-          <a:xfrm>
-            <a:off x="5741035" y="4041775"/>
-            <a:ext cx="710565" cy="337185"/>
-          </a:xfrm>
-          <a:prstGeom prst="rect">
-            <a:avLst/>
-          </a:prstGeom>
-          <a:noFill/>
-        </p:spPr>
-        <p:txBody>
-          <a:bodyPr wrap="square" rtlCol="0">
-            <a:spAutoFit/>
-          </a:bodyPr>
-          <a:p>
-            <a:r>
-              <a:rPr lang="en-US" altLang="zh-CN" sz="1600"/>
-              <a:t>Input</a:t>
-            </a:r>
-            <a:endParaRPr lang="en-US" altLang="zh-CN" sz="1600"/>
           </a:p>
         </p:txBody>
       </p:sp>
@@ -3565,7 +3508,7 @@
         </p:nvSpPr>
         <p:spPr>
           <a:xfrm>
-            <a:off x="5567045" y="6541135"/>
+            <a:off x="9789160" y="5307965"/>
             <a:ext cx="1459230" cy="337185"/>
           </a:xfrm>
           <a:prstGeom prst="rect">
@@ -3598,55 +3541,44 @@
           </a:p>
         </p:txBody>
       </p:sp>
-      <p:sp>
-        <p:nvSpPr>
-          <p:cNvPr id="25" name="右箭头 24"/>
-          <p:cNvSpPr/>
+      <p:pic>
+        <p:nvPicPr>
+          <p:cNvPr id="4" name="图片 3"/>
+          <p:cNvPicPr>
+            <a:picLocks noChangeAspect="1"/>
+          </p:cNvPicPr>
           <p:nvPr/>
-        </p:nvSpPr>
+        </p:nvPicPr>
+        <p:blipFill>
+          <a:blip r:embed="rId5"/>
+          <a:stretch>
+            <a:fillRect/>
+          </a:stretch>
+        </p:blipFill>
         <p:spPr>
           <a:xfrm>
-            <a:off x="8453755" y="5303520"/>
-            <a:ext cx="979170" cy="485775"/>
+            <a:off x="4993005" y="3325495"/>
+            <a:ext cx="5681345" cy="378460"/>
           </a:xfrm>
-          <a:prstGeom prst="rightArrow">
+          <a:prstGeom prst="rect">
             <a:avLst/>
           </a:prstGeom>
         </p:spPr>
-        <p:style>
-          <a:lnRef idx="2">
-            <a:schemeClr val="accent1">
-              <a:lumMod val="75000"/>
-            </a:schemeClr>
-          </a:lnRef>
-          <a:fillRef idx="1">
-            <a:schemeClr val="accent1"/>
-          </a:fillRef>
-          <a:effectRef idx="0">
-            <a:srgbClr val="FFFFFF"/>
-          </a:effectRef>
-          <a:fontRef idx="minor">
-            <a:schemeClr val="lt1"/>
-          </a:fontRef>
-        </p:style>
-        <p:txBody>
-          <a:bodyPr rtlCol="0" anchor="ctr"/>
-          <a:p>
-            <a:pPr algn="ctr"/>
-            <a:endParaRPr lang="zh-CN" altLang="en-US"/>
-          </a:p>
-        </p:txBody>
-      </p:sp>
-      <p:sp>
-        <p:nvSpPr>
-          <p:cNvPr id="26" name="文本框 25"/>
+      </p:pic>
+      <p:sp>
+        <p:nvSpPr>
+          <p:cNvPr id="6" name="文本框 5"/>
           <p:cNvSpPr txBox="1"/>
-          <p:nvPr/>
+          <p:nvPr>
+            <p:custDataLst>
+              <p:tags r:id="rId6"/>
+            </p:custDataLst>
+          </p:nvPr>
         </p:nvSpPr>
         <p:spPr>
           <a:xfrm>
-            <a:off x="8568055" y="4986020"/>
-            <a:ext cx="492760" cy="368300"/>
+            <a:off x="648970" y="3073400"/>
+            <a:ext cx="10894060" cy="275590"/>
           </a:xfrm>
           <a:prstGeom prst="rect">
             <a:avLst/>
@@ -3659,95 +3591,16 @@
           </a:bodyPr>
           <a:p>
             <a:r>
-              <a:rPr lang="en-US" altLang="zh-CN"/>
-              <a:t>f(x)</a:t>
-            </a:r>
-            <a:endParaRPr lang="en-US" altLang="zh-CN"/>
-          </a:p>
-        </p:txBody>
-      </p:sp>
-      <p:sp>
-        <p:nvSpPr>
-          <p:cNvPr id="16" name="文本框 15"/>
-          <p:cNvSpPr txBox="1"/>
-          <p:nvPr/>
-        </p:nvSpPr>
-        <p:spPr>
-          <a:xfrm>
-            <a:off x="10250170" y="4072890"/>
-            <a:ext cx="1251585" cy="337185"/>
-          </a:xfrm>
-          <a:prstGeom prst="rect">
-            <a:avLst/>
-          </a:prstGeom>
-          <a:noFill/>
-        </p:spPr>
-        <p:txBody>
-          <a:bodyPr wrap="square" rtlCol="0">
-            <a:spAutoFit/>
-          </a:bodyPr>
-          <a:p>
-            <a:r>
-              <a:rPr lang="en-US" altLang="zh-CN" sz="1600"/>
-              <a:t>Output</a:t>
-            </a:r>
-            <a:endParaRPr lang="en-US" altLang="zh-CN" sz="1600"/>
-          </a:p>
-        </p:txBody>
-      </p:sp>
-      <p:sp>
-        <p:nvSpPr>
-          <p:cNvPr id="22" name="文本框 21"/>
-          <p:cNvSpPr txBox="1"/>
-          <p:nvPr/>
-        </p:nvSpPr>
-        <p:spPr>
-          <a:xfrm>
-            <a:off x="9814560" y="5145405"/>
-            <a:ext cx="1906270" cy="275590"/>
-          </a:xfrm>
-          <a:prstGeom prst="rect">
-            <a:avLst/>
-          </a:prstGeom>
-          <a:noFill/>
-        </p:spPr>
-        <p:txBody>
-          <a:bodyPr wrap="square" rtlCol="0">
-            <a:spAutoFit/>
-          </a:bodyPr>
-          <a:p>
+              <a:rPr lang="en-US" altLang="zh-CN" sz="1200">
+                <a:highlight>
+                  <a:srgbClr val="FFFF00"/>
+                </a:highlight>
+              </a:rPr>
+              <a:t>mhc. class*</a:t>
+            </a:r>
             <a:r>
               <a:rPr lang="en-US" altLang="zh-CN" sz="1200"/>
-              <a:t>score (0) → 0 (negative)</a:t>
-            </a:r>
-            <a:endParaRPr lang="en-US" altLang="zh-CN" sz="1200"/>
-          </a:p>
-        </p:txBody>
-      </p:sp>
-      <p:sp>
-        <p:nvSpPr>
-          <p:cNvPr id="27" name="文本框 26"/>
-          <p:cNvSpPr txBox="1"/>
-          <p:nvPr/>
-        </p:nvSpPr>
-        <p:spPr>
-          <a:xfrm>
-            <a:off x="9811385" y="5789295"/>
-            <a:ext cx="2129790" cy="275590"/>
-          </a:xfrm>
-          <a:prstGeom prst="rect">
-            <a:avLst/>
-          </a:prstGeom>
-          <a:noFill/>
-        </p:spPr>
-        <p:txBody>
-          <a:bodyPr wrap="square" rtlCol="0">
-            <a:spAutoFit/>
-          </a:bodyPr>
-          <a:p>
-            <a:r>
-              <a:rPr lang="en-US" altLang="zh-CN" sz="1200"/>
-              <a:t>score (1, 2, 3) → 1 (positive)</a:t>
+              <a:t>: The classes of MHC</a:t>
             </a:r>
             <a:endParaRPr lang="en-US" altLang="zh-CN" sz="1200"/>
           </a:p>
@@ -3755,7 +3608,7 @@
       </p:sp>
       <p:pic>
         <p:nvPicPr>
-          <p:cNvPr id="4" name="图片 3"/>
+          <p:cNvPr id="12" name="图片 11"/>
           <p:cNvPicPr>
             <a:picLocks noChangeAspect="1"/>
           </p:cNvPicPr>
@@ -3769,8 +3622,8 @@
         </p:blipFill>
         <p:spPr>
           <a:xfrm>
-            <a:off x="4993005" y="3325495"/>
-            <a:ext cx="5681345" cy="378460"/>
+            <a:off x="3381375" y="91440"/>
+            <a:ext cx="4914900" cy="1073150"/>
           </a:xfrm>
           <a:prstGeom prst="rect">
             <a:avLst/>
